--- a/Dockerising .Net Applications.pptx
+++ b/Dockerising .Net Applications.pptx
@@ -37,8 +37,8 @@
     <p:sldId id="310" r:id="rId28"/>
     <p:sldId id="311" r:id="rId29"/>
     <p:sldId id="305" r:id="rId30"/>
-    <p:sldId id="265" r:id="rId31"/>
-    <p:sldId id="301" r:id="rId32"/>
+    <p:sldId id="301" r:id="rId31"/>
+    <p:sldId id="265" r:id="rId32"/>
   </p:sldIdLst>
   <p:sldSz cx="12192000" cy="6858000"/>
   <p:notesSz cx="6858000" cy="9144000"/>
@@ -238,7 +238,7 @@
           <a:p>
             <a:fld id="{580E84ED-F91A-D64D-846C-FB437175AFB3}" type="datetimeFigureOut">
               <a:rPr lang="en-US" smtClean="0"/>
-              <a:t>6/24/19</a:t>
+              <a:t>8/9/19</a:t>
             </a:fld>
             <a:endParaRPr lang="en-US"/>
           </a:p>
@@ -831,7 +831,7 @@
           <a:p>
             <a:r>
               <a:rPr lang="en-US" dirty="0"/>
-              <a:t>I’ve been using Docker for about 2 years now, and I’ve made a few observations along there way.</a:t>
+              <a:t>I’ve been using Docker for about 3 years now, and I’ve made a few observations along there way.</a:t>
             </a:r>
           </a:p>
           <a:p>
@@ -1144,7 +1144,7 @@
           <a:p>
             <a:r>
               <a:rPr lang="en-US" dirty="0"/>
-              <a:t>Containers ship with EVERYTHING then need to run, so that when you start one up it have everything it needs.</a:t>
+              <a:t>Containers ship with EVERYTHING then need to run, so that when you start one up it has everything it needs.</a:t>
             </a:r>
           </a:p>
           <a:p>
@@ -2613,7 +2613,7 @@
           <a:p>
             <a:r>
               <a:rPr lang="en-US" dirty="0"/>
-              <a:t>While you will perform all the tasks we’ve seen here today locally, in reality you will be using some sort of CI process to automate you Build process.</a:t>
+              <a:t>While you will perform all the tasks we’ve seen here today locally, in reality you will be using some sort of CI process to automate your Build process.</a:t>
             </a:r>
           </a:p>
           <a:p>
@@ -3278,7 +3278,7 @@
           <a:p>
             <a:r>
               <a:rPr lang="en-US" dirty="0"/>
-              <a:t>Before we go to questions, I thought I’d take a moment to plug a local developer conference that I help organize.</a:t>
+              <a:t>Before we go to questions, time for a quick plug.</a:t>
             </a:r>
           </a:p>
           <a:p>
@@ -3287,51 +3287,22 @@
           <a:p>
             <a:r>
               <a:rPr lang="en-US" dirty="0"/>
-              <a:t>DDD East Anglia is a free to attend, community led Developer conference hosted in Cambridge.</a:t>
-            </a:r>
-          </a:p>
-          <a:p>
-            <a:r>
-              <a:rPr lang="en-US" dirty="0"/>
-              <a:t>It’s actually not a </a:t>
-            </a:r>
-            <a:r>
-              <a:rPr lang="en-US" dirty="0" err="1"/>
-              <a:t>.Net</a:t>
-            </a:r>
-            <a:r>
-              <a:rPr lang="en-US" dirty="0"/>
-              <a:t> specific event, but a lot of the talks given are on </a:t>
-            </a:r>
-            <a:r>
-              <a:rPr lang="en-US" dirty="0" err="1"/>
-              <a:t>.Net</a:t>
-            </a:r>
-            <a:r>
-              <a:rPr lang="en-US" dirty="0"/>
-              <a:t> topics.</a:t>
-            </a:r>
-          </a:p>
-          <a:p>
-            <a:endParaRPr lang="en-US" dirty="0"/>
-          </a:p>
-          <a:p>
-            <a:r>
-              <a:rPr lang="en-US" dirty="0"/>
-              <a:t>We have just opened our call for papers and are looking for a speakers for September.</a:t>
-            </a:r>
-          </a:p>
-          <a:p>
-            <a:endParaRPr lang="en-US" dirty="0"/>
-          </a:p>
-          <a:p>
-            <a:r>
-              <a:rPr lang="en-US" dirty="0"/>
-              <a:t>So if you would like to do a talk, or simply want to listen, check out the site for more info, it would be great to see some new faces there.</a:t>
-            </a:r>
-          </a:p>
-          <a:p>
-            <a:endParaRPr lang="en-US" dirty="0"/>
+              <a:t>Registration for DDD East Anglia opens on Friday the 19</a:t>
+            </a:r>
+            <a:r>
+              <a:rPr lang="en-US" baseline="30000" dirty="0"/>
+              <a:t>th</a:t>
+            </a:r>
+            <a:r>
+              <a:rPr lang="en-US" dirty="0"/>
+              <a:t>. </a:t>
+            </a:r>
+          </a:p>
+          <a:p>
+            <a:r>
+              <a:rPr lang="en-US" dirty="0"/>
+              <a:t>Remember its free to attend, and the Agenda is now available, so please go take a look. </a:t>
+            </a:r>
           </a:p>
           <a:p>
             <a:r>
@@ -3574,7 +3545,7 @@
     </p:spTree>
     <p:extLst>
       <p:ext uri="{BB962C8B-B14F-4D97-AF65-F5344CB8AC3E}">
-        <p14:creationId xmlns:p14="http://schemas.microsoft.com/office/powerpoint/2010/main" val="2522404395"/>
+        <p14:creationId xmlns:p14="http://schemas.microsoft.com/office/powerpoint/2010/main" val="3547126409"/>
       </p:ext>
     </p:extLst>
   </p:cSld>
@@ -3658,7 +3629,7 @@
     </p:spTree>
     <p:extLst>
       <p:ext uri="{BB962C8B-B14F-4D97-AF65-F5344CB8AC3E}">
-        <p14:creationId xmlns:p14="http://schemas.microsoft.com/office/powerpoint/2010/main" val="3547126409"/>
+        <p14:creationId xmlns:p14="http://schemas.microsoft.com/office/powerpoint/2010/main" val="2522404395"/>
       </p:ext>
     </p:extLst>
   </p:cSld>
@@ -4691,7 +4662,7 @@
             <a:fld id="{08B9EBBA-996F-894A-B54A-D6246ED52CEA}" type="datetimeFigureOut">
               <a:rPr lang="en-US" dirty="0"/>
               <a:pPr/>
-              <a:t>6/24/19</a:t>
+              <a:t>8/9/19</a:t>
             </a:fld>
             <a:endParaRPr lang="en-US" dirty="0"/>
           </a:p>
@@ -5006,7 +4977,7 @@
             <a:fld id="{18C79C5D-2A6F-F04D-97DA-BEF2467B64E4}" type="datetimeFigureOut">
               <a:rPr lang="en-US" dirty="0"/>
               <a:pPr/>
-              <a:t>6/24/19</a:t>
+              <a:t>8/9/19</a:t>
             </a:fld>
             <a:endParaRPr lang="en-US" dirty="0"/>
           </a:p>
@@ -5491,7 +5462,7 @@
             <a:fld id="{8DFA1846-DA80-1C48-A609-854EA85C59AD}" type="datetimeFigureOut">
               <a:rPr lang="en-US" dirty="0"/>
               <a:pPr/>
-              <a:t>6/24/19</a:t>
+              <a:t>8/9/19</a:t>
             </a:fld>
             <a:endParaRPr lang="en-US" dirty="0"/>
           </a:p>
@@ -5857,7 +5828,7 @@
             <a:fld id="{FBF54567-0DE4-3F47-BF90-CB84690072F9}" type="datetimeFigureOut">
               <a:rPr lang="en-US" dirty="0"/>
               <a:pPr/>
-              <a:t>6/24/19</a:t>
+              <a:t>8/9/19</a:t>
             </a:fld>
             <a:endParaRPr lang="en-US" dirty="0"/>
           </a:p>
@@ -6127,7 +6098,7 @@
             <a:fld id="{C6C52C72-DE31-F449-A4ED-4C594FD91407}" type="datetimeFigureOut">
               <a:rPr lang="en-US" dirty="0"/>
               <a:pPr/>
-              <a:t>6/24/19</a:t>
+              <a:t>8/9/19</a:t>
             </a:fld>
             <a:endParaRPr lang="en-US" dirty="0"/>
           </a:p>
@@ -6409,7 +6380,7 @@
             <a:fld id="{ED62726E-379B-B349-9EED-81ED093FA806}" type="datetimeFigureOut">
               <a:rPr lang="en-US" dirty="0"/>
               <a:pPr/>
-              <a:t>6/24/19</a:t>
+              <a:t>8/9/19</a:t>
             </a:fld>
             <a:endParaRPr lang="en-US" dirty="0"/>
           </a:p>
@@ -6689,7 +6660,7 @@
             <a:fld id="{9B3A1323-8D79-1946-B0D7-40001CF92E9D}" type="datetimeFigureOut">
               <a:rPr lang="en-US" dirty="0"/>
               <a:pPr/>
-              <a:t>6/24/19</a:t>
+              <a:t>8/9/19</a:t>
             </a:fld>
             <a:endParaRPr lang="en-US" dirty="0"/>
           </a:p>
@@ -7029,7 +7000,7 @@
             <a:fld id="{8DFA1846-DA80-1C48-A609-854EA85C59AD}" type="datetimeFigureOut">
               <a:rPr lang="en-US" dirty="0"/>
               <a:pPr/>
-              <a:t>6/24/19</a:t>
+              <a:t>8/9/19</a:t>
             </a:fld>
             <a:endParaRPr lang="en-US" dirty="0"/>
           </a:p>
@@ -7365,7 +7336,7 @@
             <a:fld id="{57302355-E14B-8545-A8F8-0FE83CC9D524}" type="datetimeFigureOut">
               <a:rPr lang="en-US" dirty="0"/>
               <a:pPr/>
-              <a:t>6/24/19</a:t>
+              <a:t>8/9/19</a:t>
             </a:fld>
             <a:endParaRPr lang="en-US" dirty="0"/>
           </a:p>
@@ -7839,7 +7810,7 @@
             <a:fld id="{02640F58-564D-2B4F-AE67-E407BA4FCF45}" type="datetimeFigureOut">
               <a:rPr lang="en-US" dirty="0"/>
               <a:pPr/>
-              <a:t>6/24/19</a:t>
+              <a:t>8/9/19</a:t>
             </a:fld>
             <a:endParaRPr lang="en-US" dirty="0"/>
           </a:p>
@@ -8057,7 +8028,7 @@
             <a:fld id="{F13A34C8-038E-2045-AF43-DF7DBB8E0E9E}" type="datetimeFigureOut">
               <a:rPr lang="en-US" dirty="0"/>
               <a:pPr/>
-              <a:t>6/24/19</a:t>
+              <a:t>8/9/19</a:t>
             </a:fld>
             <a:endParaRPr lang="en-US" dirty="0"/>
           </a:p>
@@ -8149,7 +8120,7 @@
             <a:fld id="{8818C68F-D26B-8F47-958C-23B49CF8A634}" type="datetimeFigureOut">
               <a:rPr lang="en-US" dirty="0"/>
               <a:pPr/>
-              <a:t>6/24/19</a:t>
+              <a:t>8/9/19</a:t>
             </a:fld>
             <a:endParaRPr lang="en-US" dirty="0"/>
           </a:p>
@@ -8613,7 +8584,7 @@
             <a:fld id="{D0DF5E60-9974-AC48-9591-99C2BB44B7CF}" type="datetimeFigureOut">
               <a:rPr lang="en-US" dirty="0"/>
               <a:pPr/>
-              <a:t>6/24/19</a:t>
+              <a:t>8/9/19</a:t>
             </a:fld>
             <a:endParaRPr lang="en-US" dirty="0"/>
           </a:p>
@@ -8923,7 +8894,7 @@
             <a:fld id="{18C79C5D-2A6F-F04D-97DA-BEF2467B64E4}" type="datetimeFigureOut">
               <a:rPr lang="en-US" dirty="0"/>
               <a:pPr/>
-              <a:t>6/24/19</a:t>
+              <a:t>8/9/19</a:t>
             </a:fld>
             <a:endParaRPr lang="en-US" dirty="0"/>
           </a:p>
@@ -9190,7 +9161,7 @@
             <a:fld id="{09B482E8-6E0E-1B4F-B1FD-C69DB9E858D9}" type="datetimeFigureOut">
               <a:rPr lang="en-US" dirty="0"/>
               <a:pPr/>
-              <a:t>6/24/19</a:t>
+              <a:t>8/9/19</a:t>
             </a:fld>
             <a:endParaRPr lang="en-US" dirty="0"/>
           </a:p>
@@ -10026,6 +9997,286 @@
           </p:spPr>
         </p:pic>
       </p:grpSp>
+      <p:sp>
+        <p:nvSpPr>
+          <p:cNvPr id="14" name="Subtitle 2">
+            <a:extLst>
+              <a:ext uri="{FF2B5EF4-FFF2-40B4-BE49-F238E27FC236}">
+                <a16:creationId xmlns:a16="http://schemas.microsoft.com/office/drawing/2014/main" id="{2399E697-40F7-2048-A904-3A92D3F18A85}"/>
+              </a:ext>
+            </a:extLst>
+          </p:cNvPr>
+          <p:cNvSpPr txBox="1">
+            <a:spLocks/>
+          </p:cNvSpPr>
+          <p:nvPr/>
+        </p:nvSpPr>
+        <p:spPr>
+          <a:xfrm>
+            <a:off x="9943938" y="5997415"/>
+            <a:ext cx="4055510" cy="434974"/>
+          </a:xfrm>
+          <a:prstGeom prst="rect">
+            <a:avLst/>
+          </a:prstGeom>
+          <a:effectLst>
+            <a:outerShdw blurRad="50800" dir="14400000">
+              <a:srgbClr val="000000">
+                <a:alpha val="40000"/>
+              </a:srgbClr>
+            </a:outerShdw>
+          </a:effectLst>
+        </p:spPr>
+        <p:txBody>
+          <a:bodyPr vert="horz" lIns="91440" tIns="45720" rIns="91440" bIns="45720" rtlCol="0" anchor="t">
+            <a:normAutofit/>
+          </a:bodyPr>
+          <a:lstStyle>
+            <a:lvl1pPr marL="0" indent="0" algn="l" defTabSz="457200" rtl="0" eaLnBrk="1" latinLnBrk="0" hangingPunct="1">
+              <a:spcBef>
+                <a:spcPct val="20000"/>
+              </a:spcBef>
+              <a:spcAft>
+                <a:spcPts val="600"/>
+              </a:spcAft>
+              <a:buClr>
+                <a:schemeClr val="accent1"/>
+              </a:buClr>
+              <a:buFont typeface="Wingdings 2" charset="2"/>
+              <a:buNone/>
+              <a:defRPr sz="1800" kern="1200">
+                <a:solidFill>
+                  <a:schemeClr val="tx1"/>
+                </a:solidFill>
+                <a:latin typeface="+mn-lt"/>
+                <a:ea typeface="+mn-ea"/>
+                <a:cs typeface="+mn-cs"/>
+              </a:defRPr>
+            </a:lvl1pPr>
+            <a:lvl2pPr marL="457200" indent="0" algn="ctr" defTabSz="457200" rtl="0" eaLnBrk="1" latinLnBrk="0" hangingPunct="1">
+              <a:spcBef>
+                <a:spcPct val="20000"/>
+              </a:spcBef>
+              <a:spcAft>
+                <a:spcPts val="600"/>
+              </a:spcAft>
+              <a:buClr>
+                <a:schemeClr val="accent1"/>
+              </a:buClr>
+              <a:buFont typeface="Wingdings 2" charset="2"/>
+              <a:buNone/>
+              <a:defRPr sz="1600" kern="1200">
+                <a:solidFill>
+                  <a:schemeClr val="tx1">
+                    <a:tint val="75000"/>
+                  </a:schemeClr>
+                </a:solidFill>
+                <a:latin typeface="+mn-lt"/>
+                <a:ea typeface="+mn-ea"/>
+                <a:cs typeface="+mn-cs"/>
+              </a:defRPr>
+            </a:lvl2pPr>
+            <a:lvl3pPr marL="914400" indent="0" algn="ctr" defTabSz="457200" rtl="0" eaLnBrk="1" latinLnBrk="0" hangingPunct="1">
+              <a:spcBef>
+                <a:spcPct val="20000"/>
+              </a:spcBef>
+              <a:spcAft>
+                <a:spcPts val="600"/>
+              </a:spcAft>
+              <a:buClr>
+                <a:schemeClr val="accent1"/>
+              </a:buClr>
+              <a:buFont typeface="Wingdings 2" charset="2"/>
+              <a:buNone/>
+              <a:defRPr sz="1400" kern="1200">
+                <a:solidFill>
+                  <a:schemeClr val="tx1">
+                    <a:tint val="75000"/>
+                  </a:schemeClr>
+                </a:solidFill>
+                <a:latin typeface="+mn-lt"/>
+                <a:ea typeface="+mn-ea"/>
+                <a:cs typeface="+mn-cs"/>
+              </a:defRPr>
+            </a:lvl3pPr>
+            <a:lvl4pPr marL="1371600" indent="0" algn="ctr" defTabSz="457200" rtl="0" eaLnBrk="1" latinLnBrk="0" hangingPunct="1">
+              <a:spcBef>
+                <a:spcPct val="20000"/>
+              </a:spcBef>
+              <a:spcAft>
+                <a:spcPts val="600"/>
+              </a:spcAft>
+              <a:buClr>
+                <a:schemeClr val="accent1"/>
+              </a:buClr>
+              <a:buFont typeface="Wingdings 2" charset="2"/>
+              <a:buNone/>
+              <a:defRPr sz="1200" kern="1200">
+                <a:solidFill>
+                  <a:schemeClr val="tx1">
+                    <a:tint val="75000"/>
+                  </a:schemeClr>
+                </a:solidFill>
+                <a:latin typeface="+mn-lt"/>
+                <a:ea typeface="+mn-ea"/>
+                <a:cs typeface="+mn-cs"/>
+              </a:defRPr>
+            </a:lvl4pPr>
+            <a:lvl5pPr marL="1828800" indent="0" algn="ctr" defTabSz="457200" rtl="0" eaLnBrk="1" latinLnBrk="0" hangingPunct="1">
+              <a:spcBef>
+                <a:spcPct val="20000"/>
+              </a:spcBef>
+              <a:spcAft>
+                <a:spcPts val="600"/>
+              </a:spcAft>
+              <a:buClr>
+                <a:schemeClr val="accent1"/>
+              </a:buClr>
+              <a:buFont typeface="Wingdings 2" charset="2"/>
+              <a:buNone/>
+              <a:defRPr sz="1200" kern="1200">
+                <a:solidFill>
+                  <a:schemeClr val="tx1">
+                    <a:tint val="75000"/>
+                  </a:schemeClr>
+                </a:solidFill>
+                <a:latin typeface="+mn-lt"/>
+                <a:ea typeface="+mn-ea"/>
+                <a:cs typeface="+mn-cs"/>
+              </a:defRPr>
+            </a:lvl5pPr>
+            <a:lvl6pPr marL="2286000" indent="0" algn="ctr" defTabSz="457200" rtl="0" eaLnBrk="1" latinLnBrk="0" hangingPunct="1">
+              <a:spcBef>
+                <a:spcPct val="20000"/>
+              </a:spcBef>
+              <a:spcAft>
+                <a:spcPts val="600"/>
+              </a:spcAft>
+              <a:buClr>
+                <a:schemeClr val="accent1"/>
+              </a:buClr>
+              <a:buFont typeface="Wingdings 2" charset="2"/>
+              <a:buNone/>
+              <a:defRPr sz="1200" kern="1200">
+                <a:solidFill>
+                  <a:schemeClr val="tx1">
+                    <a:tint val="75000"/>
+                  </a:schemeClr>
+                </a:solidFill>
+                <a:latin typeface="+mn-lt"/>
+                <a:ea typeface="+mn-ea"/>
+                <a:cs typeface="+mn-cs"/>
+              </a:defRPr>
+            </a:lvl6pPr>
+            <a:lvl7pPr marL="2743200" indent="0" algn="ctr" defTabSz="457200" rtl="0" eaLnBrk="1" latinLnBrk="0" hangingPunct="1">
+              <a:spcBef>
+                <a:spcPct val="20000"/>
+              </a:spcBef>
+              <a:spcAft>
+                <a:spcPts val="600"/>
+              </a:spcAft>
+              <a:buClr>
+                <a:schemeClr val="accent1"/>
+              </a:buClr>
+              <a:buFont typeface="Wingdings 2" charset="2"/>
+              <a:buNone/>
+              <a:defRPr sz="1200" kern="1200">
+                <a:solidFill>
+                  <a:schemeClr val="tx1">
+                    <a:tint val="75000"/>
+                  </a:schemeClr>
+                </a:solidFill>
+                <a:latin typeface="+mn-lt"/>
+                <a:ea typeface="+mn-ea"/>
+                <a:cs typeface="+mn-cs"/>
+              </a:defRPr>
+            </a:lvl7pPr>
+            <a:lvl8pPr marL="3200400" indent="0" algn="ctr" defTabSz="457200" rtl="0" eaLnBrk="1" latinLnBrk="0" hangingPunct="1">
+              <a:spcBef>
+                <a:spcPct val="20000"/>
+              </a:spcBef>
+              <a:spcAft>
+                <a:spcPts val="600"/>
+              </a:spcAft>
+              <a:buClr>
+                <a:schemeClr val="accent1"/>
+              </a:buClr>
+              <a:buFont typeface="Wingdings 2" charset="2"/>
+              <a:buNone/>
+              <a:defRPr sz="1200" kern="1200">
+                <a:solidFill>
+                  <a:schemeClr val="tx1">
+                    <a:tint val="75000"/>
+                  </a:schemeClr>
+                </a:solidFill>
+                <a:latin typeface="+mn-lt"/>
+                <a:ea typeface="+mn-ea"/>
+                <a:cs typeface="+mn-cs"/>
+              </a:defRPr>
+            </a:lvl8pPr>
+            <a:lvl9pPr marL="3657600" indent="0" algn="ctr" defTabSz="457200" rtl="0" eaLnBrk="1" latinLnBrk="0" hangingPunct="1">
+              <a:spcBef>
+                <a:spcPct val="20000"/>
+              </a:spcBef>
+              <a:spcAft>
+                <a:spcPts val="600"/>
+              </a:spcAft>
+              <a:buClr>
+                <a:schemeClr val="accent1"/>
+              </a:buClr>
+              <a:buFont typeface="Wingdings 2" charset="2"/>
+              <a:buNone/>
+              <a:defRPr sz="1200" kern="1200">
+                <a:solidFill>
+                  <a:schemeClr val="tx1">
+                    <a:tint val="75000"/>
+                  </a:schemeClr>
+                </a:solidFill>
+                <a:latin typeface="+mn-lt"/>
+                <a:ea typeface="+mn-ea"/>
+                <a:cs typeface="+mn-cs"/>
+              </a:defRPr>
+            </a:lvl9pPr>
+          </a:lstStyle>
+          <a:p>
+            <a:r>
+              <a:rPr lang="en-GB" dirty="0"/>
+              <a:t>@dcook_net</a:t>
+            </a:r>
+            <a:endParaRPr lang="en-US" dirty="0"/>
+          </a:p>
+        </p:txBody>
+      </p:sp>
+      <p:pic>
+        <p:nvPicPr>
+          <p:cNvPr id="15" name="Picture 14">
+            <a:extLst>
+              <a:ext uri="{FF2B5EF4-FFF2-40B4-BE49-F238E27FC236}">
+                <a16:creationId xmlns:a16="http://schemas.microsoft.com/office/drawing/2014/main" id="{1B9FC524-D04D-7544-A553-D8B17FAFB2EF}"/>
+              </a:ext>
+            </a:extLst>
+          </p:cNvPr>
+          <p:cNvPicPr>
+            <a:picLocks noChangeAspect="1"/>
+          </p:cNvPicPr>
+          <p:nvPr/>
+        </p:nvPicPr>
+        <p:blipFill>
+          <a:blip r:embed="rId6"/>
+          <a:stretch>
+            <a:fillRect/>
+          </a:stretch>
+        </p:blipFill>
+        <p:spPr>
+          <a:xfrm>
+            <a:off x="9268188" y="5894270"/>
+            <a:ext cx="576000" cy="576000"/>
+          </a:xfrm>
+          <a:prstGeom prst="rect">
+            <a:avLst/>
+          </a:prstGeom>
+        </p:spPr>
+      </p:pic>
     </p:spTree>
     <p:extLst>
       <p:ext uri="{BB962C8B-B14F-4D97-AF65-F5344CB8AC3E}">
@@ -12493,7 +12744,6 @@
         <p:blipFill rotWithShape="1">
           <a:blip r:embed="rId3">
             <a:alphaModFix amt="40000"/>
-            <a:extLst/>
           </a:blip>
           <a:srcRect t="13162" b="2568"/>
           <a:stretch/>
@@ -12740,7 +12990,6 @@
         <p:blipFill rotWithShape="1">
           <a:blip r:embed="rId3">
             <a:alphaModFix amt="40000"/>
-            <a:extLst/>
           </a:blip>
           <a:srcRect t="13162" b="2568"/>
           <a:stretch/>
@@ -14000,7 +14249,6 @@
         <p:blipFill rotWithShape="1">
           <a:blip r:embed="rId3">
             <a:alphaModFix amt="40000"/>
-            <a:extLst/>
           </a:blip>
           <a:srcRect t="19636" b="1139"/>
           <a:stretch/>
@@ -14223,7 +14471,6 @@
         <p:blipFill rotWithShape="1">
           <a:blip r:embed="rId3">
             <a:alphaModFix/>
-            <a:extLst/>
           </a:blip>
           <a:srcRect t="16631" b="1847"/>
           <a:stretch/>
@@ -16931,6 +17178,176 @@
 </file>
 
 <file path=ppt/slides/slide30.xml><?xml version="1.0" encoding="utf-8"?>
+<p:sld xmlns:a="http://schemas.openxmlformats.org/drawingml/2006/main" xmlns:r="http://schemas.openxmlformats.org/officeDocument/2006/relationships" xmlns:p="http://schemas.openxmlformats.org/presentationml/2006/main">
+  <p:cSld>
+    <p:spTree>
+      <p:nvGrpSpPr>
+        <p:cNvPr id="1" name=""/>
+        <p:cNvGrpSpPr/>
+        <p:nvPr/>
+      </p:nvGrpSpPr>
+      <p:grpSpPr>
+        <a:xfrm>
+          <a:off x="0" y="0"/>
+          <a:ext cx="0" cy="0"/>
+          <a:chOff x="0" y="0"/>
+          <a:chExt cx="0" cy="0"/>
+        </a:xfrm>
+      </p:grpSpPr>
+      <p:sp>
+        <p:nvSpPr>
+          <p:cNvPr id="2" name="Title 1">
+            <a:extLst>
+              <a:ext uri="{FF2B5EF4-FFF2-40B4-BE49-F238E27FC236}">
+                <a16:creationId xmlns:a16="http://schemas.microsoft.com/office/drawing/2014/main" id="{F2A6DE70-964D-DB48-8A02-5A25BE48C7A9}"/>
+              </a:ext>
+            </a:extLst>
+          </p:cNvPr>
+          <p:cNvSpPr>
+            <a:spLocks noGrp="1"/>
+          </p:cNvSpPr>
+          <p:nvPr>
+            <p:ph type="title"/>
+          </p:nvPr>
+        </p:nvSpPr>
+        <p:spPr/>
+        <p:txBody>
+          <a:bodyPr/>
+          <a:lstStyle/>
+          <a:p>
+            <a:r>
+              <a:rPr lang="en-US" dirty="0"/>
+              <a:t>Resources</a:t>
+            </a:r>
+          </a:p>
+        </p:txBody>
+      </p:sp>
+      <p:sp>
+        <p:nvSpPr>
+          <p:cNvPr id="3" name="Content Placeholder 2">
+            <a:extLst>
+              <a:ext uri="{FF2B5EF4-FFF2-40B4-BE49-F238E27FC236}">
+                <a16:creationId xmlns:a16="http://schemas.microsoft.com/office/drawing/2014/main" id="{D4D9DCFB-1840-DC42-B82A-2047B10C2554}"/>
+              </a:ext>
+            </a:extLst>
+          </p:cNvPr>
+          <p:cNvSpPr>
+            <a:spLocks noGrp="1"/>
+          </p:cNvSpPr>
+          <p:nvPr>
+            <p:ph idx="1"/>
+          </p:nvPr>
+        </p:nvSpPr>
+        <p:spPr>
+          <a:xfrm>
+            <a:off x="818712" y="2887301"/>
+            <a:ext cx="10554574" cy="3636511"/>
+          </a:xfrm>
+        </p:spPr>
+        <p:txBody>
+          <a:bodyPr/>
+          <a:lstStyle/>
+          <a:p>
+            <a:r>
+              <a:rPr lang="en-US" dirty="0">
+                <a:hlinkClick r:id="rId3"/>
+              </a:rPr>
+              <a:t>Exploring Net Core Docker Files - Andrew Lock</a:t>
+            </a:r>
+            <a:endParaRPr lang="en-US" dirty="0"/>
+          </a:p>
+          <a:p>
+            <a:r>
+              <a:rPr lang="en-US" dirty="0">
+                <a:hlinkClick r:id="rId4"/>
+              </a:rPr>
+              <a:t>Docker for .Net Developers (7 part Series) - Steve Gordon</a:t>
+            </a:r>
+            <a:endParaRPr lang="en-US" dirty="0"/>
+          </a:p>
+          <a:p>
+            <a:r>
+              <a:rPr lang="en-US" dirty="0">
+                <a:hlinkClick r:id="rId5"/>
+              </a:rPr>
+              <a:t>Announcing the Microsoft Container Registry - Rich Lander</a:t>
+            </a:r>
+            <a:endParaRPr lang="en-US" dirty="0"/>
+          </a:p>
+          <a:p>
+            <a:r>
+              <a:rPr lang="en-US" dirty="0">
+                <a:hlinkClick r:id="rId6"/>
+              </a:rPr>
+              <a:t>How To Build a Smaller Docker Image – Medium</a:t>
+            </a:r>
+            <a:endParaRPr lang="en-US" dirty="0"/>
+          </a:p>
+          <a:p>
+            <a:r>
+              <a:rPr lang="en-US" dirty="0">
+                <a:hlinkClick r:id="rId7"/>
+              </a:rPr>
+              <a:t>What's wrong with Latest</a:t>
+            </a:r>
+            <a:r>
+              <a:rPr lang="en-US" dirty="0"/>
+              <a:t> and </a:t>
+            </a:r>
+            <a:r>
+              <a:rPr lang="en-US" dirty="0">
+                <a:hlinkClick r:id="rId8"/>
+              </a:rPr>
+              <a:t>The misunderstood latest tag </a:t>
+            </a:r>
+            <a:endParaRPr lang="en-US" dirty="0"/>
+          </a:p>
+          <a:p>
+            <a:r>
+              <a:rPr lang="en-US" dirty="0">
+                <a:hlinkClick r:id="rId9"/>
+              </a:rPr>
+              <a:t>Play with Docker Classroom - Dockers Labs</a:t>
+            </a:r>
+            <a:endParaRPr lang="en-US" dirty="0"/>
+          </a:p>
+          <a:p>
+            <a:r>
+              <a:rPr lang="en-GB" dirty="0">
+                <a:hlinkClick r:id="rId10"/>
+              </a:rPr>
+              <a:t>https://docs.docker.com/engine/examples/dotnetcore/</a:t>
+            </a:r>
+            <a:endParaRPr lang="en-GB" dirty="0"/>
+          </a:p>
+          <a:p>
+            <a:pPr marL="0" indent="0">
+              <a:buNone/>
+            </a:pPr>
+            <a:endParaRPr lang="en-US" dirty="0"/>
+          </a:p>
+          <a:p>
+            <a:endParaRPr lang="en-US" dirty="0"/>
+          </a:p>
+          <a:p>
+            <a:endParaRPr lang="en-US" dirty="0"/>
+          </a:p>
+        </p:txBody>
+      </p:sp>
+    </p:spTree>
+    <p:extLst>
+      <p:ext uri="{BB962C8B-B14F-4D97-AF65-F5344CB8AC3E}">
+        <p14:creationId xmlns:p14="http://schemas.microsoft.com/office/powerpoint/2010/main" val="3312594132"/>
+      </p:ext>
+    </p:extLst>
+  </p:cSld>
+  <p:clrMapOvr>
+    <a:masterClrMapping/>
+  </p:clrMapOvr>
+</p:sld>
+</file>
+
+<file path=ppt/slides/slide31.xml><?xml version="1.0" encoding="utf-8"?>
 <p:sld xmlns:a="http://schemas.openxmlformats.org/drawingml/2006/main" xmlns:r="http://schemas.openxmlformats.org/officeDocument/2006/relationships" xmlns:p="http://schemas.openxmlformats.org/presentationml/2006/main">
   <p:cSld>
     <p:spTree>
@@ -17674,176 +18091,6 @@
     <p:extLst>
       <p:ext uri="{BB962C8B-B14F-4D97-AF65-F5344CB8AC3E}">
         <p14:creationId xmlns:p14="http://schemas.microsoft.com/office/powerpoint/2010/main" val="3388494448"/>
-      </p:ext>
-    </p:extLst>
-  </p:cSld>
-  <p:clrMapOvr>
-    <a:masterClrMapping/>
-  </p:clrMapOvr>
-</p:sld>
-</file>
-
-<file path=ppt/slides/slide31.xml><?xml version="1.0" encoding="utf-8"?>
-<p:sld xmlns:a="http://schemas.openxmlformats.org/drawingml/2006/main" xmlns:r="http://schemas.openxmlformats.org/officeDocument/2006/relationships" xmlns:p="http://schemas.openxmlformats.org/presentationml/2006/main">
-  <p:cSld>
-    <p:spTree>
-      <p:nvGrpSpPr>
-        <p:cNvPr id="1" name=""/>
-        <p:cNvGrpSpPr/>
-        <p:nvPr/>
-      </p:nvGrpSpPr>
-      <p:grpSpPr>
-        <a:xfrm>
-          <a:off x="0" y="0"/>
-          <a:ext cx="0" cy="0"/>
-          <a:chOff x="0" y="0"/>
-          <a:chExt cx="0" cy="0"/>
-        </a:xfrm>
-      </p:grpSpPr>
-      <p:sp>
-        <p:nvSpPr>
-          <p:cNvPr id="2" name="Title 1">
-            <a:extLst>
-              <a:ext uri="{FF2B5EF4-FFF2-40B4-BE49-F238E27FC236}">
-                <a16:creationId xmlns:a16="http://schemas.microsoft.com/office/drawing/2014/main" id="{F2A6DE70-964D-DB48-8A02-5A25BE48C7A9}"/>
-              </a:ext>
-            </a:extLst>
-          </p:cNvPr>
-          <p:cNvSpPr>
-            <a:spLocks noGrp="1"/>
-          </p:cNvSpPr>
-          <p:nvPr>
-            <p:ph type="title"/>
-          </p:nvPr>
-        </p:nvSpPr>
-        <p:spPr/>
-        <p:txBody>
-          <a:bodyPr/>
-          <a:lstStyle/>
-          <a:p>
-            <a:r>
-              <a:rPr lang="en-US" dirty="0"/>
-              <a:t>Resources</a:t>
-            </a:r>
-          </a:p>
-        </p:txBody>
-      </p:sp>
-      <p:sp>
-        <p:nvSpPr>
-          <p:cNvPr id="3" name="Content Placeholder 2">
-            <a:extLst>
-              <a:ext uri="{FF2B5EF4-FFF2-40B4-BE49-F238E27FC236}">
-                <a16:creationId xmlns:a16="http://schemas.microsoft.com/office/drawing/2014/main" id="{D4D9DCFB-1840-DC42-B82A-2047B10C2554}"/>
-              </a:ext>
-            </a:extLst>
-          </p:cNvPr>
-          <p:cNvSpPr>
-            <a:spLocks noGrp="1"/>
-          </p:cNvSpPr>
-          <p:nvPr>
-            <p:ph idx="1"/>
-          </p:nvPr>
-        </p:nvSpPr>
-        <p:spPr>
-          <a:xfrm>
-            <a:off x="818712" y="2887301"/>
-            <a:ext cx="10554574" cy="3636511"/>
-          </a:xfrm>
-        </p:spPr>
-        <p:txBody>
-          <a:bodyPr/>
-          <a:lstStyle/>
-          <a:p>
-            <a:r>
-              <a:rPr lang="en-US" dirty="0">
-                <a:hlinkClick r:id="rId3"/>
-              </a:rPr>
-              <a:t>Exploring Net Core Docker Files - Andrew Lock</a:t>
-            </a:r>
-            <a:endParaRPr lang="en-US" dirty="0"/>
-          </a:p>
-          <a:p>
-            <a:r>
-              <a:rPr lang="en-US" dirty="0">
-                <a:hlinkClick r:id="rId4"/>
-              </a:rPr>
-              <a:t>Docker for .Net Developers (7 part Series) - Steve Gordon</a:t>
-            </a:r>
-            <a:endParaRPr lang="en-US" dirty="0"/>
-          </a:p>
-          <a:p>
-            <a:r>
-              <a:rPr lang="en-US" dirty="0">
-                <a:hlinkClick r:id="rId5"/>
-              </a:rPr>
-              <a:t>Announcing the Microsoft Container Registry - Rich Lander</a:t>
-            </a:r>
-            <a:endParaRPr lang="en-US" dirty="0"/>
-          </a:p>
-          <a:p>
-            <a:r>
-              <a:rPr lang="en-US" dirty="0">
-                <a:hlinkClick r:id="rId6"/>
-              </a:rPr>
-              <a:t>How To Build a Smaller Docker Image – Medium</a:t>
-            </a:r>
-            <a:endParaRPr lang="en-US" dirty="0"/>
-          </a:p>
-          <a:p>
-            <a:r>
-              <a:rPr lang="en-US" dirty="0">
-                <a:hlinkClick r:id="rId7"/>
-              </a:rPr>
-              <a:t>What's wrong with Latest</a:t>
-            </a:r>
-            <a:r>
-              <a:rPr lang="en-US" dirty="0"/>
-              <a:t> and </a:t>
-            </a:r>
-            <a:r>
-              <a:rPr lang="en-US" dirty="0">
-                <a:hlinkClick r:id="rId8"/>
-              </a:rPr>
-              <a:t>The misunderstood latest tag </a:t>
-            </a:r>
-            <a:endParaRPr lang="en-US" dirty="0"/>
-          </a:p>
-          <a:p>
-            <a:r>
-              <a:rPr lang="en-US" dirty="0">
-                <a:hlinkClick r:id="rId9"/>
-              </a:rPr>
-              <a:t>Play with Docker Classroom - Dockers Labs</a:t>
-            </a:r>
-            <a:endParaRPr lang="en-US" dirty="0"/>
-          </a:p>
-          <a:p>
-            <a:r>
-              <a:rPr lang="en-GB" dirty="0">
-                <a:hlinkClick r:id="rId10"/>
-              </a:rPr>
-              <a:t>https://docs.docker.com/engine/examples/dotnetcore/</a:t>
-            </a:r>
-            <a:endParaRPr lang="en-GB" dirty="0"/>
-          </a:p>
-          <a:p>
-            <a:pPr marL="0" indent="0">
-              <a:buNone/>
-            </a:pPr>
-            <a:endParaRPr lang="en-US" dirty="0"/>
-          </a:p>
-          <a:p>
-            <a:endParaRPr lang="en-US" dirty="0"/>
-          </a:p>
-          <a:p>
-            <a:endParaRPr lang="en-US" dirty="0"/>
-          </a:p>
-        </p:txBody>
-      </p:sp>
-    </p:spTree>
-    <p:extLst>
-      <p:ext uri="{BB962C8B-B14F-4D97-AF65-F5344CB8AC3E}">
-        <p14:creationId xmlns:p14="http://schemas.microsoft.com/office/powerpoint/2010/main" val="3312594132"/>
       </p:ext>
     </p:extLst>
   </p:cSld>
